--- a/DOH Presentation.pptx
+++ b/DOH Presentation.pptx
@@ -268,7 +268,7 @@
             <a:fld id="{7D3C9561-F719-4105-A856-3A3FDA43532C}" type="datetimeFigureOut">
               <a:rPr lang="en-US" smtClean="0"/>
               <a:pPr/>
-              <a:t>3/12/2020</a:t>
+              <a:t>3/13/2020</a:t>
             </a:fld>
             <a:endParaRPr lang="en-US" dirty="0"/>
           </a:p>
@@ -435,7 +435,7 @@
             <a:fld id="{58A1CE86-FC4A-4485-ACB7-F19C3E53A979}" type="datetimeFigureOut">
               <a:rPr lang="en-US" smtClean="0"/>
               <a:pPr/>
-              <a:t>3/12/2020</a:t>
+              <a:t>3/13/2020</a:t>
             </a:fld>
             <a:endParaRPr lang="en-US" dirty="0"/>
           </a:p>
@@ -3383,12 +3383,6 @@
               </a:rPr>
               <a:t>CONTEXT</a:t>
             </a:r>
-            <a:endParaRPr lang="en-US" sz="1400" spc="200" dirty="0" smtClean="0">
-              <a:solidFill>
-                <a:schemeClr val="bg1"/>
-              </a:solidFill>
-              <a:latin typeface="Tw Cen MT" panose="020B0602020104020603" pitchFamily="34" charset="0"/>
-            </a:endParaRPr>
           </a:p>
         </p:txBody>
       </p:sp>
@@ -3587,12 +3581,6 @@
               </a:rPr>
               <a:t>MOTIVATION</a:t>
             </a:r>
-            <a:endParaRPr lang="en-US" sz="1400" spc="200" dirty="0" smtClean="0">
-              <a:solidFill>
-                <a:schemeClr val="bg1"/>
-              </a:solidFill>
-              <a:latin typeface="Tw Cen MT" panose="020B0602020104020603" pitchFamily="34" charset="0"/>
-            </a:endParaRPr>
           </a:p>
         </p:txBody>
       </p:sp>
@@ -3605,7 +3593,7 @@
         <p:spPr>
           <a:xfrm>
             <a:off x="2209800" y="2561670"/>
-            <a:ext cx="6781800" cy="1815882"/>
+            <a:ext cx="6781800" cy="2246769"/>
           </a:xfrm>
           <a:prstGeom prst="rect">
             <a:avLst/>
@@ -3698,6 +3686,24 @@
           </a:p>
           <a:p>
             <a:r>
+              <a:rPr lang="en-US" dirty="0" smtClean="0"/>
+              <a:t>Violation 22A: "</a:t>
+            </a:r>
+            <a:r>
+              <a:rPr lang="en-US" i="1" dirty="0" smtClean="0"/>
+              <a:t>Nuisance </a:t>
+            </a:r>
+            <a:r>
+              <a:rPr lang="en-US" i="1" dirty="0"/>
+              <a:t>created or allowed to exist. Facility not free from unsafe, hazardous, offensive or annoying conditions</a:t>
+            </a:r>
+            <a:r>
+              <a:rPr lang="en-US" dirty="0" smtClean="0"/>
+              <a:t>.“</a:t>
+            </a:r>
+          </a:p>
+          <a:p>
+            <a:r>
               <a:rPr lang="en-US" sz="1600" dirty="0" smtClean="0"/>
               <a:t>“</a:t>
             </a:r>
@@ -3752,7 +3758,7 @@
         </p:blipFill>
         <p:spPr bwMode="auto">
           <a:xfrm>
-            <a:off x="284454" y="4617660"/>
+            <a:off x="284454" y="4922460"/>
             <a:ext cx="2392053" cy="1234250"/>
           </a:xfrm>
           <a:prstGeom prst="rect">
@@ -3804,7 +3810,7 @@
         </p:blipFill>
         <p:spPr bwMode="auto">
           <a:xfrm>
-            <a:off x="2982709" y="4617660"/>
+            <a:off x="2982709" y="4922460"/>
             <a:ext cx="3022626" cy="1249740"/>
           </a:xfrm>
           <a:prstGeom prst="rect">
@@ -3847,7 +3853,7 @@
         </p:blipFill>
         <p:spPr>
           <a:xfrm>
-            <a:off x="6311536" y="4617660"/>
+            <a:off x="6311536" y="4922460"/>
             <a:ext cx="2508069" cy="1249740"/>
           </a:xfrm>
           <a:prstGeom prst="rect">
@@ -4005,8 +4011,14 @@
                 </a:solidFill>
                 <a:latin typeface="Tw Cen MT" panose="020B0602020104020603" pitchFamily="34" charset="0"/>
               </a:rPr>
-              <a:t>CONTEXT</a:t>
-            </a:r>
+              <a:t>OBJECTIVE</a:t>
+            </a:r>
+            <a:endParaRPr lang="en-US" sz="1400" spc="200" dirty="0" smtClean="0">
+              <a:solidFill>
+                <a:schemeClr val="bg1"/>
+              </a:solidFill>
+              <a:latin typeface="Tw Cen MT" panose="020B0602020104020603" pitchFamily="34" charset="0"/>
+            </a:endParaRPr>
           </a:p>
         </p:txBody>
       </p:sp>
@@ -4196,12 +4208,6 @@
               </a:rPr>
               <a:t>VISION</a:t>
             </a:r>
-            <a:endParaRPr lang="en-US" sz="1400" spc="200" dirty="0" smtClean="0">
-              <a:solidFill>
-                <a:schemeClr val="bg1"/>
-              </a:solidFill>
-              <a:latin typeface="Tw Cen MT" panose="020B0602020104020603" pitchFamily="34" charset="0"/>
-            </a:endParaRPr>
           </a:p>
         </p:txBody>
       </p:sp>
@@ -4285,19 +4291,7 @@
               <a:rPr lang="en-US" sz="1600" dirty="0" smtClean="0">
                 <a:ea typeface="+mn-ea"/>
               </a:rPr>
-              <a:t>Create a website with </a:t>
-            </a:r>
-            <a:r>
-              <a:rPr lang="en-US" sz="1600" dirty="0" smtClean="0">
-                <a:ea typeface="+mn-ea"/>
-              </a:rPr>
-              <a:t>a </a:t>
-            </a:r>
-            <a:r>
-              <a:rPr lang="en-US" sz="1600" dirty="0" smtClean="0">
-                <a:ea typeface="+mn-ea"/>
-              </a:rPr>
-              <a:t>leaflet map visual to look at A, B, C restaurant ratings in NYC and use plot.ly charts to summarize the data.</a:t>
+              <a:t>Create a website with a leaflet map visual to look at A, B, C restaurant ratings in NYC and use plot.ly charts to summarize the data.</a:t>
             </a:r>
             <a:endParaRPr lang="en-US" sz="1600" dirty="0"/>
           </a:p>
@@ -5265,39 +5259,7 @@
                   <a:schemeClr val="tx1"/>
                 </a:solidFill>
               </a:rPr>
-              <a:t>Because the data set was so large (430K rows) and our visual was a Leaflet map, we had to drastically cut down our data. We ended up only using Manhattan </a:t>
-            </a:r>
-            <a:r>
-              <a:rPr lang="en-US" sz="1600" dirty="0" smtClean="0">
-                <a:solidFill>
-                  <a:schemeClr val="tx1"/>
-                </a:solidFill>
-              </a:rPr>
-              <a:t>restaurants, removing any pending grades (which are </a:t>
-            </a:r>
-            <a:r>
-              <a:rPr lang="en-US" sz="1600" dirty="0" smtClean="0">
-                <a:solidFill>
-                  <a:schemeClr val="tx1"/>
-                </a:solidFill>
-              </a:rPr>
-              <a:t>not public </a:t>
-            </a:r>
-            <a:r>
-              <a:rPr lang="en-US" sz="1600" dirty="0" smtClean="0">
-                <a:solidFill>
-                  <a:schemeClr val="tx1"/>
-                </a:solidFill>
-              </a:rPr>
-              <a:t>facing), </a:t>
-            </a:r>
-            <a:r>
-              <a:rPr lang="en-US" sz="1600" dirty="0" smtClean="0">
-                <a:solidFill>
-                  <a:schemeClr val="tx1"/>
-                </a:solidFill>
-              </a:rPr>
-              <a:t>removing franchises, and removing certain cuisines like coffee shops. </a:t>
+              <a:t>Because the data set was so large (430K rows) and our visual was a Leaflet map, we had to drastically cut down our data. We ended up only using Manhattan restaurants, removing any pending grades (which are not public facing), removing franchises, and removing certain cuisines like coffee shops. </a:t>
             </a:r>
             <a:endParaRPr lang="en-US" sz="1600" dirty="0">
               <a:solidFill>
@@ -6153,15 +6115,7 @@
                   <a:schemeClr val="tx1"/>
                 </a:solidFill>
               </a:rPr>
-              <a:t>o </a:t>
-            </a:r>
-            <a:r>
-              <a:rPr lang="en-US" sz="1600" dirty="0" smtClean="0">
-                <a:solidFill>
-                  <a:schemeClr val="tx1"/>
-                </a:solidFill>
-              </a:rPr>
-              <a:t>offload the expected lag time on our flask app/leaflet map, we separated the data by their grades before uploading into </a:t>
+              <a:t>o offload the expected lag time on our flask app/leaflet map, we separated the data by their grades before uploading into </a:t>
             </a:r>
             <a:r>
               <a:rPr lang="en-US" sz="1600" dirty="0" err="1" smtClean="0">
@@ -6555,12 +6509,6 @@
               </a:rPr>
               <a:t>FINDINGS</a:t>
             </a:r>
-            <a:endParaRPr lang="en-US" sz="1400" spc="200" dirty="0" smtClean="0">
-              <a:solidFill>
-                <a:schemeClr val="bg1"/>
-              </a:solidFill>
-              <a:latin typeface="Tw Cen MT" panose="020B0602020104020603" pitchFamily="34" charset="0"/>
-            </a:endParaRPr>
           </a:p>
         </p:txBody>
       </p:sp>
@@ -6616,12 +6564,6 @@
               </a:rPr>
               <a:t>SURPRISES</a:t>
             </a:r>
-            <a:endParaRPr lang="en-US" sz="1400" spc="200" dirty="0" smtClean="0">
-              <a:solidFill>
-                <a:schemeClr val="bg1"/>
-              </a:solidFill>
-              <a:latin typeface="Tw Cen MT" panose="020B0602020104020603" pitchFamily="34" charset="0"/>
-            </a:endParaRPr>
           </a:p>
         </p:txBody>
       </p:sp>
@@ -6688,12 +6630,6 @@
               </a:rPr>
               <a:t>COULD’VE</a:t>
             </a:r>
-            <a:endParaRPr lang="en-US" sz="1400" spc="200" dirty="0" smtClean="0">
-              <a:solidFill>
-                <a:schemeClr val="bg1"/>
-              </a:solidFill>
-              <a:latin typeface="Tw Cen MT" panose="020B0602020104020603" pitchFamily="34" charset="0"/>
-            </a:endParaRPr>
           </a:p>
         </p:txBody>
       </p:sp>
@@ -6777,17 +6713,8 @@
               <a:rPr lang="en-US" sz="1600" dirty="0" smtClean="0">
                 <a:ea typeface="+mn-ea"/>
               </a:rPr>
-              <a:t>We couldn’t definitively prove the DOH </a:t>
-            </a:r>
-            <a:r>
-              <a:rPr lang="en-US" sz="1600" dirty="0" smtClean="0">
-                <a:ea typeface="+mn-ea"/>
-              </a:rPr>
-              <a:t>penalty system is rigged to generate revenue from this data. On the bright side, at least most restaurants have A ratings which is beneficial to all parties involved. </a:t>
-            </a:r>
-            <a:endParaRPr lang="en-US" sz="1600" dirty="0" smtClean="0">
-              <a:ea typeface="+mn-ea"/>
-            </a:endParaRPr>
+              <a:t>We couldn’t definitively prove the DOH penalty system is rigged to generate revenue from this data. On the bright side, at least most restaurants have A ratings which is beneficial to all parties involved. </a:t>
+            </a:r>
           </a:p>
         </p:txBody>
       </p:sp>
